--- a/能不能.pptx
+++ b/能不能.pptx
@@ -289,7 +289,8 @@
           <a:p>
             <a:fld id="{95AB9C0F-3E49-40C5-AA70-3D537DB63101}" type="datetimeFigureOut">
               <a:rPr lang="zh-TW" altLang="en-US" smtClean="0"/>
-              <a:t>2019/7/27</a:t>
+              <a:pPr/>
+              <a:t>2020/5/19</a:t>
             </a:fld>
             <a:endParaRPr lang="zh-TW" altLang="en-US"/>
           </a:p>
@@ -331,6 +332,7 @@
           <a:p>
             <a:fld id="{97163696-3720-4495-B6B5-F8487E832D04}" type="slidenum">
               <a:rPr lang="zh-TW" altLang="en-US" smtClean="0"/>
+              <a:pPr/>
               <a:t>‹#›</a:t>
             </a:fld>
             <a:endParaRPr lang="zh-TW" altLang="en-US"/>
@@ -454,7 +456,8 @@
           <a:p>
             <a:fld id="{95AB9C0F-3E49-40C5-AA70-3D537DB63101}" type="datetimeFigureOut">
               <a:rPr lang="zh-TW" altLang="en-US" smtClean="0"/>
-              <a:t>2019/7/27</a:t>
+              <a:pPr/>
+              <a:t>2020/5/19</a:t>
             </a:fld>
             <a:endParaRPr lang="zh-TW" altLang="en-US"/>
           </a:p>
@@ -496,6 +499,7 @@
           <a:p>
             <a:fld id="{97163696-3720-4495-B6B5-F8487E832D04}" type="slidenum">
               <a:rPr lang="zh-TW" altLang="en-US" smtClean="0"/>
+              <a:pPr/>
               <a:t>‹#›</a:t>
             </a:fld>
             <a:endParaRPr lang="zh-TW" altLang="en-US"/>
@@ -629,7 +633,8 @@
           <a:p>
             <a:fld id="{95AB9C0F-3E49-40C5-AA70-3D537DB63101}" type="datetimeFigureOut">
               <a:rPr lang="zh-TW" altLang="en-US" smtClean="0"/>
-              <a:t>2019/7/27</a:t>
+              <a:pPr/>
+              <a:t>2020/5/19</a:t>
             </a:fld>
             <a:endParaRPr lang="zh-TW" altLang="en-US"/>
           </a:p>
@@ -671,6 +676,7 @@
           <a:p>
             <a:fld id="{97163696-3720-4495-B6B5-F8487E832D04}" type="slidenum">
               <a:rPr lang="zh-TW" altLang="en-US" smtClean="0"/>
+              <a:pPr/>
               <a:t>‹#›</a:t>
             </a:fld>
             <a:endParaRPr lang="zh-TW" altLang="en-US"/>
@@ -794,7 +800,8 @@
           <a:p>
             <a:fld id="{95AB9C0F-3E49-40C5-AA70-3D537DB63101}" type="datetimeFigureOut">
               <a:rPr lang="zh-TW" altLang="en-US" smtClean="0"/>
-              <a:t>2019/7/27</a:t>
+              <a:pPr/>
+              <a:t>2020/5/19</a:t>
             </a:fld>
             <a:endParaRPr lang="zh-TW" altLang="en-US"/>
           </a:p>
@@ -836,6 +843,7 @@
           <a:p>
             <a:fld id="{97163696-3720-4495-B6B5-F8487E832D04}" type="slidenum">
               <a:rPr lang="zh-TW" altLang="en-US" smtClean="0"/>
+              <a:pPr/>
               <a:t>‹#›</a:t>
             </a:fld>
             <a:endParaRPr lang="zh-TW" altLang="en-US"/>
@@ -1035,7 +1043,8 @@
           <a:p>
             <a:fld id="{95AB9C0F-3E49-40C5-AA70-3D537DB63101}" type="datetimeFigureOut">
               <a:rPr lang="zh-TW" altLang="en-US" smtClean="0"/>
-              <a:t>2019/7/27</a:t>
+              <a:pPr/>
+              <a:t>2020/5/19</a:t>
             </a:fld>
             <a:endParaRPr lang="zh-TW" altLang="en-US"/>
           </a:p>
@@ -1077,6 +1086,7 @@
           <a:p>
             <a:fld id="{97163696-3720-4495-B6B5-F8487E832D04}" type="slidenum">
               <a:rPr lang="zh-TW" altLang="en-US" smtClean="0"/>
+              <a:pPr/>
               <a:t>‹#›</a:t>
             </a:fld>
             <a:endParaRPr lang="zh-TW" altLang="en-US"/>
@@ -1318,7 +1328,8 @@
           <a:p>
             <a:fld id="{95AB9C0F-3E49-40C5-AA70-3D537DB63101}" type="datetimeFigureOut">
               <a:rPr lang="zh-TW" altLang="en-US" smtClean="0"/>
-              <a:t>2019/7/27</a:t>
+              <a:pPr/>
+              <a:t>2020/5/19</a:t>
             </a:fld>
             <a:endParaRPr lang="zh-TW" altLang="en-US"/>
           </a:p>
@@ -1360,6 +1371,7 @@
           <a:p>
             <a:fld id="{97163696-3720-4495-B6B5-F8487E832D04}" type="slidenum">
               <a:rPr lang="zh-TW" altLang="en-US" smtClean="0"/>
+              <a:pPr/>
               <a:t>‹#›</a:t>
             </a:fld>
             <a:endParaRPr lang="zh-TW" altLang="en-US"/>
@@ -1735,7 +1747,8 @@
           <a:p>
             <a:fld id="{95AB9C0F-3E49-40C5-AA70-3D537DB63101}" type="datetimeFigureOut">
               <a:rPr lang="zh-TW" altLang="en-US" smtClean="0"/>
-              <a:t>2019/7/27</a:t>
+              <a:pPr/>
+              <a:t>2020/5/19</a:t>
             </a:fld>
             <a:endParaRPr lang="zh-TW" altLang="en-US"/>
           </a:p>
@@ -1777,6 +1790,7 @@
           <a:p>
             <a:fld id="{97163696-3720-4495-B6B5-F8487E832D04}" type="slidenum">
               <a:rPr lang="zh-TW" altLang="en-US" smtClean="0"/>
+              <a:pPr/>
               <a:t>‹#›</a:t>
             </a:fld>
             <a:endParaRPr lang="zh-TW" altLang="en-US"/>
@@ -1848,7 +1862,8 @@
           <a:p>
             <a:fld id="{95AB9C0F-3E49-40C5-AA70-3D537DB63101}" type="datetimeFigureOut">
               <a:rPr lang="zh-TW" altLang="en-US" smtClean="0"/>
-              <a:t>2019/7/27</a:t>
+              <a:pPr/>
+              <a:t>2020/5/19</a:t>
             </a:fld>
             <a:endParaRPr lang="zh-TW" altLang="en-US"/>
           </a:p>
@@ -1890,6 +1905,7 @@
           <a:p>
             <a:fld id="{97163696-3720-4495-B6B5-F8487E832D04}" type="slidenum">
               <a:rPr lang="zh-TW" altLang="en-US" smtClean="0"/>
+              <a:pPr/>
               <a:t>‹#›</a:t>
             </a:fld>
             <a:endParaRPr lang="zh-TW" altLang="en-US"/>
@@ -1938,7 +1954,8 @@
           <a:p>
             <a:fld id="{95AB9C0F-3E49-40C5-AA70-3D537DB63101}" type="datetimeFigureOut">
               <a:rPr lang="zh-TW" altLang="en-US" smtClean="0"/>
-              <a:t>2019/7/27</a:t>
+              <a:pPr/>
+              <a:t>2020/5/19</a:t>
             </a:fld>
             <a:endParaRPr lang="zh-TW" altLang="en-US"/>
           </a:p>
@@ -1980,6 +1997,7 @@
           <a:p>
             <a:fld id="{97163696-3720-4495-B6B5-F8487E832D04}" type="slidenum">
               <a:rPr lang="zh-TW" altLang="en-US" smtClean="0"/>
+              <a:pPr/>
               <a:t>‹#›</a:t>
             </a:fld>
             <a:endParaRPr lang="zh-TW" altLang="en-US"/>
@@ -2210,7 +2228,8 @@
           <a:p>
             <a:fld id="{95AB9C0F-3E49-40C5-AA70-3D537DB63101}" type="datetimeFigureOut">
               <a:rPr lang="zh-TW" altLang="en-US" smtClean="0"/>
-              <a:t>2019/7/27</a:t>
+              <a:pPr/>
+              <a:t>2020/5/19</a:t>
             </a:fld>
             <a:endParaRPr lang="zh-TW" altLang="en-US"/>
           </a:p>
@@ -2252,6 +2271,7 @@
           <a:p>
             <a:fld id="{97163696-3720-4495-B6B5-F8487E832D04}" type="slidenum">
               <a:rPr lang="zh-TW" altLang="en-US" smtClean="0"/>
+              <a:pPr/>
               <a:t>‹#›</a:t>
             </a:fld>
             <a:endParaRPr lang="zh-TW" altLang="en-US"/>
@@ -2462,7 +2482,8 @@
           <a:p>
             <a:fld id="{95AB9C0F-3E49-40C5-AA70-3D537DB63101}" type="datetimeFigureOut">
               <a:rPr lang="zh-TW" altLang="en-US" smtClean="0"/>
-              <a:t>2019/7/27</a:t>
+              <a:pPr/>
+              <a:t>2020/5/19</a:t>
             </a:fld>
             <a:endParaRPr lang="zh-TW" altLang="en-US"/>
           </a:p>
@@ -2504,6 +2525,7 @@
           <a:p>
             <a:fld id="{97163696-3720-4495-B6B5-F8487E832D04}" type="slidenum">
               <a:rPr lang="zh-TW" altLang="en-US" smtClean="0"/>
+              <a:pPr/>
               <a:t>‹#›</a:t>
             </a:fld>
             <a:endParaRPr lang="zh-TW" altLang="en-US"/>
@@ -2675,7 +2697,8 @@
           <a:p>
             <a:fld id="{95AB9C0F-3E49-40C5-AA70-3D537DB63101}" type="datetimeFigureOut">
               <a:rPr lang="zh-TW" altLang="en-US" smtClean="0"/>
-              <a:t>2019/7/27</a:t>
+              <a:pPr/>
+              <a:t>2020/5/19</a:t>
             </a:fld>
             <a:endParaRPr lang="zh-TW" altLang="en-US"/>
           </a:p>
@@ -2753,6 +2776,7 @@
           <a:p>
             <a:fld id="{97163696-3720-4495-B6B5-F8487E832D04}" type="slidenum">
               <a:rPr lang="zh-TW" altLang="en-US" smtClean="0"/>
+              <a:pPr/>
               <a:t>‹#›</a:t>
             </a:fld>
             <a:endParaRPr lang="zh-TW" altLang="en-US"/>
@@ -3102,21 +3126,35 @@
                 <a:latin typeface="Microsoft JhengHei" pitchFamily="34" charset="-120"/>
                 <a:ea typeface="Microsoft JhengHei" pitchFamily="34" charset="-120"/>
               </a:rPr>
-              <a:t>我屬於</a:t>
+              <a:t>我</a:t>
             </a:r>
             <a:r>
               <a:rPr lang="zh-TW" altLang="en-US" sz="4800" b="1" dirty="0" smtClean="0">
                 <a:latin typeface="Microsoft JhengHei" pitchFamily="34" charset="-120"/>
                 <a:ea typeface="Microsoft JhengHei" pitchFamily="34" charset="-120"/>
               </a:rPr>
-              <a:t>你 你</a:t>
+              <a:t>屬於</a:t>
+            </a:r>
+            <a:r>
+              <a:rPr lang="zh-CN" altLang="en-US" sz="4800" b="1" dirty="0" smtClean="0">
+                <a:latin typeface="Microsoft JhengHei" pitchFamily="34" charset="-120"/>
+                <a:ea typeface="Microsoft JhengHei" pitchFamily="34" charset="-120"/>
+              </a:rPr>
+              <a:t>袮  袮</a:t>
+            </a:r>
+            <a:r>
+              <a:rPr lang="zh-TW" altLang="en-US" sz="4800" b="1" dirty="0" smtClean="0">
+                <a:latin typeface="Microsoft JhengHei" pitchFamily="34" charset="-120"/>
+                <a:ea typeface="Microsoft JhengHei" pitchFamily="34" charset="-120"/>
+              </a:rPr>
+              <a:t>是</a:t>
             </a:r>
             <a:r>
               <a:rPr lang="zh-TW" altLang="en-US" sz="4800" b="1" dirty="0">
                 <a:latin typeface="Microsoft JhengHei" pitchFamily="34" charset="-120"/>
                 <a:ea typeface="Microsoft JhengHei" pitchFamily="34" charset="-120"/>
               </a:rPr>
-              <a:t>是我永遠的</a:t>
+              <a:t>我永遠的</a:t>
             </a:r>
             <a:r>
               <a:rPr lang="zh-TW" altLang="en-US" sz="4800" b="1" dirty="0" smtClean="0">
@@ -3146,7 +3184,35 @@
                 <a:latin typeface="Microsoft JhengHei" pitchFamily="34" charset="-120"/>
                 <a:ea typeface="Microsoft JhengHei" pitchFamily="34" charset="-120"/>
               </a:rPr>
-              <a:t>日夜在你殿中獻上敬</a:t>
+              <a:t>日夜</a:t>
+            </a:r>
+            <a:r>
+              <a:rPr lang="zh-TW" altLang="en-US" sz="4800" b="1" dirty="0" smtClean="0">
+                <a:latin typeface="Microsoft JhengHei" pitchFamily="34" charset="-120"/>
+                <a:ea typeface="Microsoft JhengHei" pitchFamily="34" charset="-120"/>
+              </a:rPr>
+              <a:t>在</a:t>
+            </a:r>
+            <a:r>
+              <a:rPr lang="zh-CN" altLang="en-US" sz="4800" b="1" dirty="0" smtClean="0">
+                <a:latin typeface="Microsoft JhengHei" pitchFamily="34" charset="-120"/>
+                <a:ea typeface="Microsoft JhengHei" pitchFamily="34" charset="-120"/>
+              </a:rPr>
+              <a:t>袮</a:t>
+            </a:r>
+            <a:r>
+              <a:rPr lang="zh-TW" altLang="en-US" sz="4800" b="1" dirty="0" smtClean="0">
+                <a:latin typeface="Microsoft JhengHei" pitchFamily="34" charset="-120"/>
+                <a:ea typeface="Microsoft JhengHei" pitchFamily="34" charset="-120"/>
+              </a:rPr>
+              <a:t>殿</a:t>
+            </a:r>
+            <a:r>
+              <a:rPr lang="zh-TW" altLang="en-US" sz="4800" b="1" dirty="0">
+                <a:latin typeface="Microsoft JhengHei" pitchFamily="34" charset="-120"/>
+                <a:ea typeface="Microsoft JhengHei" pitchFamily="34" charset="-120"/>
+              </a:rPr>
+              <a:t>中獻上敬</a:t>
             </a:r>
             <a:r>
               <a:rPr lang="zh-TW" altLang="en-US" sz="4800" b="1" dirty="0" smtClean="0">
@@ -3172,11 +3238,32 @@
               <a:t>定睛</a:t>
             </a:r>
             <a:r>
+              <a:rPr lang="zh-TW" altLang="en-US" sz="4800" b="1" dirty="0" smtClean="0">
+                <a:latin typeface="Microsoft JhengHei" pitchFamily="34" charset="-120"/>
+                <a:ea typeface="Microsoft JhengHei" pitchFamily="34" charset="-120"/>
+              </a:rPr>
+              <a:t>在</a:t>
+            </a:r>
+            <a:r>
+              <a:rPr lang="zh-CN" altLang="en-US" sz="4800" b="1" dirty="0" smtClean="0">
+                <a:latin typeface="Microsoft JhengHei" pitchFamily="34" charset="-120"/>
+                <a:ea typeface="Microsoft JhengHei" pitchFamily="34" charset="-120"/>
+              </a:rPr>
+              <a:t>袮</a:t>
+            </a:r>
+            <a:r>
+              <a:rPr lang="zh-TW" altLang="en-US" sz="4800" b="1" dirty="0" smtClean="0">
+                <a:latin typeface="Microsoft JhengHei" pitchFamily="34" charset="-120"/>
+                <a:ea typeface="Microsoft JhengHei" pitchFamily="34" charset="-120"/>
+              </a:rPr>
+              <a:t>的</a:t>
+            </a:r>
+            <a:r>
               <a:rPr lang="zh-TW" altLang="en-US" sz="4800" b="1" dirty="0">
                 <a:latin typeface="Microsoft JhengHei" pitchFamily="34" charset="-120"/>
                 <a:ea typeface="Microsoft JhengHei" pitchFamily="34" charset="-120"/>
               </a:rPr>
-              <a:t>在你的榮</a:t>
+              <a:t>榮</a:t>
             </a:r>
             <a:r>
               <a:rPr lang="zh-TW" altLang="en-US" sz="4800" b="1" dirty="0" smtClean="0">
@@ -3216,18 +3303,25 @@
               <a:t>除</a:t>
             </a:r>
             <a:r>
-              <a:rPr lang="zh-TW" altLang="en-US" sz="4800" b="1" dirty="0">
-                <a:latin typeface="Microsoft JhengHei" pitchFamily="34" charset="-120"/>
-                <a:ea typeface="Microsoft JhengHei" pitchFamily="34" charset="-120"/>
-              </a:rPr>
-              <a:t>你以</a:t>
+              <a:rPr lang="zh-CN" altLang="en-US" sz="4800" b="1" dirty="0" smtClean="0">
+                <a:latin typeface="Microsoft JhengHei" pitchFamily="34" charset="-120"/>
+                <a:ea typeface="Microsoft JhengHei" pitchFamily="34" charset="-120"/>
+              </a:rPr>
+              <a:t>袮</a:t>
             </a:r>
             <a:r>
               <a:rPr lang="zh-TW" altLang="en-US" sz="4800" b="1" dirty="0" smtClean="0">
                 <a:latin typeface="Microsoft JhengHei" pitchFamily="34" charset="-120"/>
                 <a:ea typeface="Microsoft JhengHei" pitchFamily="34" charset="-120"/>
               </a:rPr>
-              <a:t>外  我</a:t>
+              <a:t>以外  </a:t>
+            </a:r>
+            <a:r>
+              <a:rPr lang="zh-TW" altLang="en-US" sz="4800" b="1" dirty="0" smtClean="0">
+                <a:latin typeface="Microsoft JhengHei" pitchFamily="34" charset="-120"/>
+                <a:ea typeface="Microsoft JhengHei" pitchFamily="34" charset="-120"/>
+              </a:rPr>
+              <a:t>我</a:t>
             </a:r>
             <a:r>
               <a:rPr lang="zh-TW" altLang="en-US" sz="4800" b="1" dirty="0">
@@ -3321,49 +3415,35 @@
                 <a:latin typeface="Microsoft JhengHei" pitchFamily="34" charset="-120"/>
                 <a:ea typeface="Microsoft JhengHei" pitchFamily="34" charset="-120"/>
               </a:rPr>
+              <a:t>能不</a:t>
+            </a:r>
+            <a:r>
+              <a:rPr lang="zh-TW" altLang="en-US" sz="4800" b="1" dirty="0" smtClean="0">
+                <a:latin typeface="Microsoft JhengHei" pitchFamily="34" charset="-120"/>
+                <a:ea typeface="Microsoft JhengHei" pitchFamily="34" charset="-120"/>
+              </a:rPr>
               <a:t>能</a:t>
             </a:r>
             <a:r>
+              <a:rPr lang="en-US" altLang="zh-TW" sz="4800" b="1" dirty="0" smtClean="0">
+                <a:latin typeface="Microsoft JhengHei" pitchFamily="34" charset="-120"/>
+                <a:ea typeface="Microsoft JhengHei" pitchFamily="34" charset="-120"/>
+              </a:rPr>
+              <a:t>  </a:t>
+            </a:r>
+            <a:r>
+              <a:rPr lang="zh-TW" altLang="en-US" sz="4800" b="1" dirty="0" smtClean="0">
+                <a:latin typeface="Microsoft JhengHei" pitchFamily="34" charset="-120"/>
+                <a:ea typeface="Microsoft JhengHei" pitchFamily="34" charset="-120"/>
+              </a:rPr>
+              <a:t>就</a:t>
+            </a:r>
+            <a:r>
               <a:rPr lang="zh-TW" altLang="en-US" sz="4800" b="1" dirty="0">
                 <a:latin typeface="Microsoft JhengHei" pitchFamily="34" charset="-120"/>
                 <a:ea typeface="Microsoft JhengHei" pitchFamily="34" charset="-120"/>
               </a:rPr>
-              <a:t>不</a:t>
-            </a:r>
-            <a:r>
-              <a:rPr lang="zh-TW" altLang="en-US" sz="4800" b="1" dirty="0" smtClean="0">
-                <a:latin typeface="Microsoft JhengHei" pitchFamily="34" charset="-120"/>
-                <a:ea typeface="Microsoft JhengHei" pitchFamily="34" charset="-120"/>
-              </a:rPr>
-              <a:t>能</a:t>
-            </a:r>
-            <a:r>
-              <a:rPr lang="en-US" altLang="zh-TW" sz="4800" b="1" dirty="0" smtClean="0">
-                <a:latin typeface="Microsoft JhengHei" pitchFamily="34" charset="-120"/>
-                <a:ea typeface="Microsoft JhengHei" pitchFamily="34" charset="-120"/>
-              </a:rPr>
-              <a:t>  </a:t>
-            </a:r>
-            <a:r>
-              <a:rPr lang="zh-TW" altLang="en-US" sz="4800" b="1" dirty="0" smtClean="0">
-                <a:latin typeface="Microsoft JhengHei" pitchFamily="34" charset="-120"/>
-                <a:ea typeface="Microsoft JhengHei" pitchFamily="34" charset="-120"/>
-              </a:rPr>
-              <a:t>就</a:t>
-            </a:r>
-            <a:r>
-              <a:rPr lang="zh-TW" altLang="en-US" sz="4800" b="1" dirty="0">
-                <a:latin typeface="Microsoft JhengHei" pitchFamily="34" charset="-120"/>
-                <a:ea typeface="Microsoft JhengHei" pitchFamily="34" charset="-120"/>
-              </a:rPr>
-              <a:t>讓我留在你的同在</a:t>
-            </a:r>
-            <a:r>
-              <a:rPr lang="zh-TW" altLang="en-US" sz="4800" b="1" dirty="0">
-                <a:latin typeface="Microsoft JhengHei" pitchFamily="34" charset="-120"/>
-                <a:ea typeface="Microsoft JhengHei" pitchFamily="34" charset="-120"/>
-              </a:rPr>
-              <a:t>裡</a:t>
+              <a:t>讓我留在你的同在裡</a:t>
             </a:r>
             <a:endParaRPr lang="en-US" altLang="zh-TW" sz="4800" b="1" dirty="0">
               <a:latin typeface="Microsoft JhengHei" pitchFamily="34" charset="-120"/>
